--- a/PPT SIDANG.pptx
+++ b/PPT SIDANG.pptx
@@ -1480,6 +1480,10 @@
               </a:spcAft>
               <a:buNone/>
             </a:pPr>
+            <a:r>
+              <a:rPr lang="en-US" dirty="0"/>
+              <a:t>		</a:t>
+            </a:r>
             <a:endParaRPr dirty="0"/>
           </a:p>
         </p:txBody>
@@ -29332,6 +29336,20 @@
                 <a:latin typeface="Roboto" panose="02000000000000000000" pitchFamily="2" charset="0"/>
                 <a:ea typeface="Roboto" panose="02000000000000000000" pitchFamily="2" charset="0"/>
               </a:rPr>
+              <a:t> </a:t>
+            </a:r>
+            <a:r>
+              <a:rPr lang="en-ID" sz="1500" dirty="0" err="1">
+                <a:latin typeface="Roboto" panose="02000000000000000000" pitchFamily="2" charset="0"/>
+                <a:ea typeface="Roboto" panose="02000000000000000000" pitchFamily="2" charset="0"/>
+              </a:rPr>
+              <a:t>laporan</a:t>
+            </a:r>
+            <a:r>
+              <a:rPr lang="en-ID" sz="1500" dirty="0">
+                <a:latin typeface="Roboto" panose="02000000000000000000" pitchFamily="2" charset="0"/>
+                <a:ea typeface="Roboto" panose="02000000000000000000" pitchFamily="2" charset="0"/>
+              </a:rPr>
               <a:t>.</a:t>
             </a:r>
           </a:p>
@@ -29346,63 +29364,7 @@
                 <a:latin typeface="Roboto" panose="02000000000000000000" pitchFamily="2" charset="0"/>
                 <a:ea typeface="Roboto" panose="02000000000000000000" pitchFamily="2" charset="0"/>
               </a:rPr>
-              <a:t>Pemantauan</a:t>
-            </a:r>
-            <a:r>
-              <a:rPr lang="en-ID" sz="1600" dirty="0">
-                <a:latin typeface="Roboto" panose="02000000000000000000" pitchFamily="2" charset="0"/>
-                <a:ea typeface="Roboto" panose="02000000000000000000" pitchFamily="2" charset="0"/>
-              </a:rPr>
-              <a:t> </a:t>
-            </a:r>
-            <a:r>
-              <a:rPr lang="en-ID" sz="1600" dirty="0" err="1">
-                <a:latin typeface="Roboto" panose="02000000000000000000" pitchFamily="2" charset="0"/>
-                <a:ea typeface="Roboto" panose="02000000000000000000" pitchFamily="2" charset="0"/>
-              </a:rPr>
-              <a:t>transaksi</a:t>
-            </a:r>
-            <a:r>
-              <a:rPr lang="en-ID" sz="1600" dirty="0">
-                <a:latin typeface="Roboto" panose="02000000000000000000" pitchFamily="2" charset="0"/>
-                <a:ea typeface="Roboto" panose="02000000000000000000" pitchFamily="2" charset="0"/>
-              </a:rPr>
-              <a:t> </a:t>
-            </a:r>
-            <a:r>
-              <a:rPr lang="en-ID" sz="1600" dirty="0" err="1">
-                <a:latin typeface="Roboto" panose="02000000000000000000" pitchFamily="2" charset="0"/>
-                <a:ea typeface="Roboto" panose="02000000000000000000" pitchFamily="2" charset="0"/>
-              </a:rPr>
-              <a:t>sulit</a:t>
-            </a:r>
-            <a:r>
-              <a:rPr lang="en-ID" sz="1600" dirty="0">
-                <a:latin typeface="Roboto" panose="02000000000000000000" pitchFamily="2" charset="0"/>
-                <a:ea typeface="Roboto" panose="02000000000000000000" pitchFamily="2" charset="0"/>
-              </a:rPr>
-              <a:t> </a:t>
-            </a:r>
-            <a:r>
-              <a:rPr lang="en-ID" sz="1600" dirty="0" err="1">
-                <a:latin typeface="Roboto" panose="02000000000000000000" pitchFamily="2" charset="0"/>
-                <a:ea typeface="Roboto" panose="02000000000000000000" pitchFamily="2" charset="0"/>
-              </a:rPr>
-              <a:t>dilakukan</a:t>
-            </a:r>
-            <a:r>
-              <a:rPr lang="en-ID" sz="1600" dirty="0">
-                <a:latin typeface="Roboto" panose="02000000000000000000" pitchFamily="2" charset="0"/>
-                <a:ea typeface="Roboto" panose="02000000000000000000" pitchFamily="2" charset="0"/>
-              </a:rPr>
-              <a:t> dan </a:t>
-            </a:r>
-            <a:r>
-              <a:rPr lang="en-ID" sz="1600" dirty="0" err="1">
-                <a:latin typeface="Roboto" panose="02000000000000000000" pitchFamily="2" charset="0"/>
-                <a:ea typeface="Roboto" panose="02000000000000000000" pitchFamily="2" charset="0"/>
-              </a:rPr>
-              <a:t>tidak</a:t>
+              <a:t>Tidak</a:t>
             </a:r>
             <a:r>
               <a:rPr lang="en-ID" sz="1600" dirty="0">
@@ -29570,7 +29532,21 @@
                 <a:latin typeface="Roboto" panose="02000000000000000000" pitchFamily="2" charset="0"/>
                 <a:ea typeface="Roboto" panose="02000000000000000000" pitchFamily="2" charset="0"/>
               </a:rPr>
-              <a:t>, dan </a:t>
+              <a:t>, </a:t>
+            </a:r>
+            <a:r>
+              <a:rPr lang="en-ID" sz="1500" dirty="0" err="1">
+                <a:latin typeface="Roboto" panose="02000000000000000000" pitchFamily="2" charset="0"/>
+                <a:ea typeface="Roboto" panose="02000000000000000000" pitchFamily="2" charset="0"/>
+              </a:rPr>
+              <a:t>pengingat</a:t>
+            </a:r>
+            <a:r>
+              <a:rPr lang="en-ID" sz="1500" dirty="0">
+                <a:latin typeface="Roboto" panose="02000000000000000000" pitchFamily="2" charset="0"/>
+                <a:ea typeface="Roboto" panose="02000000000000000000" pitchFamily="2" charset="0"/>
+              </a:rPr>
+              <a:t> dan </a:t>
             </a:r>
             <a:r>
               <a:rPr lang="en-ID" sz="1500" dirty="0" err="1">
@@ -32587,7 +32563,7 @@
                 <a:latin typeface="Roboto" panose="02000000000000000000" pitchFamily="2" charset="0"/>
                 <a:ea typeface="Roboto" panose="02000000000000000000" pitchFamily="2" charset="0"/>
               </a:rPr>
-              <a:t> dan </a:t>
+              <a:t>, </a:t>
             </a:r>
             <a:r>
               <a:rPr lang="en-ID" sz="1200" dirty="0" err="1">
@@ -32609,6 +32585,20 @@
                 <a:ea typeface="Roboto" panose="02000000000000000000" pitchFamily="2" charset="0"/>
               </a:rPr>
               <a:t>laporan</a:t>
+            </a:r>
+            <a:r>
+              <a:rPr lang="en-ID" sz="1200" dirty="0">
+                <a:latin typeface="Roboto" panose="02000000000000000000" pitchFamily="2" charset="0"/>
+                <a:ea typeface="Roboto" panose="02000000000000000000" pitchFamily="2" charset="0"/>
+              </a:rPr>
+              <a:t> dan log </a:t>
+            </a:r>
+            <a:r>
+              <a:rPr lang="en-ID" sz="1200" dirty="0" err="1">
+                <a:latin typeface="Roboto" panose="02000000000000000000" pitchFamily="2" charset="0"/>
+                <a:ea typeface="Roboto" panose="02000000000000000000" pitchFamily="2" charset="0"/>
+              </a:rPr>
+              <a:t>aktivitas</a:t>
             </a:r>
             <a:r>
               <a:rPr lang="en-ID" sz="1200" dirty="0">
